--- a/2023-SUM/Week07.pptx
+++ b/2023-SUM/Week07.pptx
@@ -263,7 +263,7 @@
           <a:p>
             <a:fld id="{2B1919C7-6BC3-4736-AC32-A62C7B81C82C}" type="datetimeFigureOut">
               <a:rPr lang="en-US" smtClean="0"/>
-              <a:t>7/5/2023</a:t>
+              <a:t>7/6/2023</a:t>
             </a:fld>
             <a:endParaRPr lang="en-US"/>
           </a:p>
@@ -461,7 +461,7 @@
           <a:p>
             <a:fld id="{2B1919C7-6BC3-4736-AC32-A62C7B81C82C}" type="datetimeFigureOut">
               <a:rPr lang="en-US" smtClean="0"/>
-              <a:t>7/5/2023</a:t>
+              <a:t>7/6/2023</a:t>
             </a:fld>
             <a:endParaRPr lang="en-US"/>
           </a:p>
@@ -669,7 +669,7 @@
           <a:p>
             <a:fld id="{2B1919C7-6BC3-4736-AC32-A62C7B81C82C}" type="datetimeFigureOut">
               <a:rPr lang="en-US" smtClean="0"/>
-              <a:t>7/5/2023</a:t>
+              <a:t>7/6/2023</a:t>
             </a:fld>
             <a:endParaRPr lang="en-US"/>
           </a:p>
@@ -867,7 +867,7 @@
           <a:p>
             <a:fld id="{2B1919C7-6BC3-4736-AC32-A62C7B81C82C}" type="datetimeFigureOut">
               <a:rPr lang="en-US" smtClean="0"/>
-              <a:t>7/5/2023</a:t>
+              <a:t>7/6/2023</a:t>
             </a:fld>
             <a:endParaRPr lang="en-US"/>
           </a:p>
@@ -1142,7 +1142,7 @@
           <a:p>
             <a:fld id="{2B1919C7-6BC3-4736-AC32-A62C7B81C82C}" type="datetimeFigureOut">
               <a:rPr lang="en-US" smtClean="0"/>
-              <a:t>7/5/2023</a:t>
+              <a:t>7/6/2023</a:t>
             </a:fld>
             <a:endParaRPr lang="en-US"/>
           </a:p>
@@ -1407,7 +1407,7 @@
           <a:p>
             <a:fld id="{2B1919C7-6BC3-4736-AC32-A62C7B81C82C}" type="datetimeFigureOut">
               <a:rPr lang="en-US" smtClean="0"/>
-              <a:t>7/5/2023</a:t>
+              <a:t>7/6/2023</a:t>
             </a:fld>
             <a:endParaRPr lang="en-US"/>
           </a:p>
@@ -1819,7 +1819,7 @@
           <a:p>
             <a:fld id="{2B1919C7-6BC3-4736-AC32-A62C7B81C82C}" type="datetimeFigureOut">
               <a:rPr lang="en-US" smtClean="0"/>
-              <a:t>7/5/2023</a:t>
+              <a:t>7/6/2023</a:t>
             </a:fld>
             <a:endParaRPr lang="en-US"/>
           </a:p>
@@ -1960,7 +1960,7 @@
           <a:p>
             <a:fld id="{2B1919C7-6BC3-4736-AC32-A62C7B81C82C}" type="datetimeFigureOut">
               <a:rPr lang="en-US" smtClean="0"/>
-              <a:t>7/5/2023</a:t>
+              <a:t>7/6/2023</a:t>
             </a:fld>
             <a:endParaRPr lang="en-US"/>
           </a:p>
@@ -2073,7 +2073,7 @@
           <a:p>
             <a:fld id="{2B1919C7-6BC3-4736-AC32-A62C7B81C82C}" type="datetimeFigureOut">
               <a:rPr lang="en-US" smtClean="0"/>
-              <a:t>7/5/2023</a:t>
+              <a:t>7/6/2023</a:t>
             </a:fld>
             <a:endParaRPr lang="en-US"/>
           </a:p>
@@ -2384,7 +2384,7 @@
           <a:p>
             <a:fld id="{2B1919C7-6BC3-4736-AC32-A62C7B81C82C}" type="datetimeFigureOut">
               <a:rPr lang="en-US" smtClean="0"/>
-              <a:t>7/5/2023</a:t>
+              <a:t>7/6/2023</a:t>
             </a:fld>
             <a:endParaRPr lang="en-US"/>
           </a:p>
@@ -2672,7 +2672,7 @@
           <a:p>
             <a:fld id="{2B1919C7-6BC3-4736-AC32-A62C7B81C82C}" type="datetimeFigureOut">
               <a:rPr lang="en-US" smtClean="0"/>
-              <a:t>7/5/2023</a:t>
+              <a:t>7/6/2023</a:t>
             </a:fld>
             <a:endParaRPr lang="en-US"/>
           </a:p>
@@ -2913,7 +2913,7 @@
           <a:p>
             <a:fld id="{2B1919C7-6BC3-4736-AC32-A62C7B81C82C}" type="datetimeFigureOut">
               <a:rPr lang="en-US" smtClean="0"/>
-              <a:t>7/5/2023</a:t>
+              <a:t>7/6/2023</a:t>
             </a:fld>
             <a:endParaRPr lang="en-US"/>
           </a:p>
@@ -3405,7 +3405,7 @@
                   </a:schemeClr>
                 </a:solidFill>
               </a:rPr>
-              <a:t>Week 7: 2022-07-06 </a:t>
+              <a:t>Week 7</a:t>
             </a:r>
             <a:r>
               <a:rPr lang="en-US">
@@ -3415,7 +3415,7 @@
                   </a:schemeClr>
                 </a:solidFill>
               </a:rPr>
-              <a:t>to 07-12</a:t>
+              <a:t>: 2023-07-06 to 07-12</a:t>
             </a:r>
             <a:endParaRPr lang="en-US" dirty="0">
               <a:solidFill>
